--- a/big-data/lecture03.pptx
+++ b/big-data/lecture03.pptx
@@ -215,7 +215,7 @@
           <a:p>
             <a:fld id="{6EA8B36E-603B-4C65-9087-32A4619DC612}" type="datetimeFigureOut">
               <a:rPr lang="en-US" smtClean="0"/>
-              <a:t>9/14/2015</a:t>
+              <a:t>9/16/2015</a:t>
             </a:fld>
             <a:endParaRPr lang="en-US"/>
           </a:p>
@@ -567,6 +567,174 @@
 </p:notes>
 </file>
 
+<file path=ppt/notesSlides/notesSlide2.xml><?xml version="1.0" encoding="utf-8"?>
+<p:notes xmlns:a="http://schemas.openxmlformats.org/drawingml/2006/main" xmlns:r="http://schemas.openxmlformats.org/officeDocument/2006/relationships" xmlns:p="http://schemas.openxmlformats.org/presentationml/2006/main">
+  <p:cSld>
+    <p:spTree>
+      <p:nvGrpSpPr>
+        <p:cNvPr id="1" name=""/>
+        <p:cNvGrpSpPr/>
+        <p:nvPr/>
+      </p:nvGrpSpPr>
+      <p:grpSpPr>
+        <a:xfrm>
+          <a:off x="0" y="0"/>
+          <a:ext cx="0" cy="0"/>
+          <a:chOff x="0" y="0"/>
+          <a:chExt cx="0" cy="0"/>
+        </a:xfrm>
+      </p:grpSpPr>
+      <p:sp>
+        <p:nvSpPr>
+          <p:cNvPr id="2" name="Slide Image Placeholder 1"/>
+          <p:cNvSpPr>
+            <a:spLocks noGrp="1" noRot="1" noChangeAspect="1"/>
+          </p:cNvSpPr>
+          <p:nvPr>
+            <p:ph type="sldImg"/>
+          </p:nvPr>
+        </p:nvSpPr>
+        <p:spPr/>
+      </p:sp>
+      <p:sp>
+        <p:nvSpPr>
+          <p:cNvPr id="3" name="Notes Placeholder 2"/>
+          <p:cNvSpPr>
+            <a:spLocks noGrp="1"/>
+          </p:cNvSpPr>
+          <p:nvPr>
+            <p:ph type="body" idx="1"/>
+          </p:nvPr>
+        </p:nvSpPr>
+        <p:spPr/>
+        <p:txBody>
+          <a:bodyPr/>
+          <a:lstStyle/>
+          <a:p>
+            <a:endParaRPr lang="en-US" dirty="0"/>
+          </a:p>
+        </p:txBody>
+      </p:sp>
+      <p:sp>
+        <p:nvSpPr>
+          <p:cNvPr id="4" name="Slide Number Placeholder 3"/>
+          <p:cNvSpPr>
+            <a:spLocks noGrp="1"/>
+          </p:cNvSpPr>
+          <p:nvPr>
+            <p:ph type="sldNum" sz="quarter" idx="10"/>
+          </p:nvPr>
+        </p:nvSpPr>
+        <p:spPr/>
+        <p:txBody>
+          <a:bodyPr/>
+          <a:lstStyle/>
+          <a:p>
+            <a:fld id="{AB5C5415-8848-4833-842D-963291E0F242}" type="slidenum">
+              <a:rPr lang="en-US" smtClean="0"/>
+              <a:t>15</a:t>
+            </a:fld>
+            <a:endParaRPr lang="en-US"/>
+          </a:p>
+        </p:txBody>
+      </p:sp>
+    </p:spTree>
+    <p:extLst>
+      <p:ext uri="{BB962C8B-B14F-4D97-AF65-F5344CB8AC3E}">
+        <p14:creationId xmlns:p14="http://schemas.microsoft.com/office/powerpoint/2010/main" val="3417538055"/>
+      </p:ext>
+    </p:extLst>
+  </p:cSld>
+  <p:clrMapOvr>
+    <a:masterClrMapping/>
+  </p:clrMapOvr>
+</p:notes>
+</file>
+
+<file path=ppt/notesSlides/notesSlide3.xml><?xml version="1.0" encoding="utf-8"?>
+<p:notes xmlns:a="http://schemas.openxmlformats.org/drawingml/2006/main" xmlns:r="http://schemas.openxmlformats.org/officeDocument/2006/relationships" xmlns:p="http://schemas.openxmlformats.org/presentationml/2006/main">
+  <p:cSld>
+    <p:spTree>
+      <p:nvGrpSpPr>
+        <p:cNvPr id="1" name=""/>
+        <p:cNvGrpSpPr/>
+        <p:nvPr/>
+      </p:nvGrpSpPr>
+      <p:grpSpPr>
+        <a:xfrm>
+          <a:off x="0" y="0"/>
+          <a:ext cx="0" cy="0"/>
+          <a:chOff x="0" y="0"/>
+          <a:chExt cx="0" cy="0"/>
+        </a:xfrm>
+      </p:grpSpPr>
+      <p:sp>
+        <p:nvSpPr>
+          <p:cNvPr id="2" name="Slide Image Placeholder 1"/>
+          <p:cNvSpPr>
+            <a:spLocks noGrp="1" noRot="1" noChangeAspect="1"/>
+          </p:cNvSpPr>
+          <p:nvPr>
+            <p:ph type="sldImg"/>
+          </p:nvPr>
+        </p:nvSpPr>
+        <p:spPr/>
+      </p:sp>
+      <p:sp>
+        <p:nvSpPr>
+          <p:cNvPr id="3" name="Notes Placeholder 2"/>
+          <p:cNvSpPr>
+            <a:spLocks noGrp="1"/>
+          </p:cNvSpPr>
+          <p:nvPr>
+            <p:ph type="body" idx="1"/>
+          </p:nvPr>
+        </p:nvSpPr>
+        <p:spPr/>
+        <p:txBody>
+          <a:bodyPr/>
+          <a:lstStyle/>
+          <a:p>
+            <a:endParaRPr lang="en-US" dirty="0"/>
+          </a:p>
+        </p:txBody>
+      </p:sp>
+      <p:sp>
+        <p:nvSpPr>
+          <p:cNvPr id="4" name="Slide Number Placeholder 3"/>
+          <p:cNvSpPr>
+            <a:spLocks noGrp="1"/>
+          </p:cNvSpPr>
+          <p:nvPr>
+            <p:ph type="sldNum" sz="quarter" idx="10"/>
+          </p:nvPr>
+        </p:nvSpPr>
+        <p:spPr/>
+        <p:txBody>
+          <a:bodyPr/>
+          <a:lstStyle/>
+          <a:p>
+            <a:fld id="{AB5C5415-8848-4833-842D-963291E0F242}" type="slidenum">
+              <a:rPr lang="en-US" smtClean="0"/>
+              <a:t>17</a:t>
+            </a:fld>
+            <a:endParaRPr lang="en-US"/>
+          </a:p>
+        </p:txBody>
+      </p:sp>
+    </p:spTree>
+    <p:extLst>
+      <p:ext uri="{BB962C8B-B14F-4D97-AF65-F5344CB8AC3E}">
+        <p14:creationId xmlns:p14="http://schemas.microsoft.com/office/powerpoint/2010/main" val="1355890904"/>
+      </p:ext>
+    </p:extLst>
+  </p:cSld>
+  <p:clrMapOvr>
+    <a:masterClrMapping/>
+  </p:clrMapOvr>
+</p:notes>
+</file>
+
 <file path=ppt/slideLayouts/slideLayout1.xml><?xml version="1.0" encoding="utf-8"?>
 <p:sldLayout xmlns:a="http://schemas.openxmlformats.org/drawingml/2006/main" xmlns:r="http://schemas.openxmlformats.org/officeDocument/2006/relationships" xmlns:p="http://schemas.openxmlformats.org/presentationml/2006/main" type="title" preserve="1">
   <p:cSld name="Title Slide">
@@ -748,7 +916,7 @@
           <a:p>
             <a:fld id="{DA7FE7D8-F689-4FBC-B269-CA6BD99A00E7}" type="datetimeFigureOut">
               <a:rPr lang="en-US" smtClean="0"/>
-              <a:t>9/14/2015</a:t>
+              <a:t>9/16/2015</a:t>
             </a:fld>
             <a:endParaRPr lang="en-US"/>
           </a:p>
@@ -918,7 +1086,7 @@
           <a:p>
             <a:fld id="{DA7FE7D8-F689-4FBC-B269-CA6BD99A00E7}" type="datetimeFigureOut">
               <a:rPr lang="en-US" smtClean="0"/>
-              <a:t>9/14/2015</a:t>
+              <a:t>9/16/2015</a:t>
             </a:fld>
             <a:endParaRPr lang="en-US"/>
           </a:p>
@@ -1098,7 +1266,7 @@
           <a:p>
             <a:fld id="{DA7FE7D8-F689-4FBC-B269-CA6BD99A00E7}" type="datetimeFigureOut">
               <a:rPr lang="en-US" smtClean="0"/>
-              <a:t>9/14/2015</a:t>
+              <a:t>9/16/2015</a:t>
             </a:fld>
             <a:endParaRPr lang="en-US"/>
           </a:p>
@@ -1268,7 +1436,7 @@
           <a:p>
             <a:fld id="{DA7FE7D8-F689-4FBC-B269-CA6BD99A00E7}" type="datetimeFigureOut">
               <a:rPr lang="en-US" smtClean="0"/>
-              <a:t>9/14/2015</a:t>
+              <a:t>9/16/2015</a:t>
             </a:fld>
             <a:endParaRPr lang="en-US"/>
           </a:p>
@@ -1514,7 +1682,7 @@
           <a:p>
             <a:fld id="{DA7FE7D8-F689-4FBC-B269-CA6BD99A00E7}" type="datetimeFigureOut">
               <a:rPr lang="en-US" smtClean="0"/>
-              <a:t>9/14/2015</a:t>
+              <a:t>9/16/2015</a:t>
             </a:fld>
             <a:endParaRPr lang="en-US"/>
           </a:p>
@@ -1802,7 +1970,7 @@
           <a:p>
             <a:fld id="{DA7FE7D8-F689-4FBC-B269-CA6BD99A00E7}" type="datetimeFigureOut">
               <a:rPr lang="en-US" smtClean="0"/>
-              <a:t>9/14/2015</a:t>
+              <a:t>9/16/2015</a:t>
             </a:fld>
             <a:endParaRPr lang="en-US"/>
           </a:p>
@@ -2224,7 +2392,7 @@
           <a:p>
             <a:fld id="{DA7FE7D8-F689-4FBC-B269-CA6BD99A00E7}" type="datetimeFigureOut">
               <a:rPr lang="en-US" smtClean="0"/>
-              <a:t>9/14/2015</a:t>
+              <a:t>9/16/2015</a:t>
             </a:fld>
             <a:endParaRPr lang="en-US"/>
           </a:p>
@@ -2342,7 +2510,7 @@
           <a:p>
             <a:fld id="{DA7FE7D8-F689-4FBC-B269-CA6BD99A00E7}" type="datetimeFigureOut">
               <a:rPr lang="en-US" smtClean="0"/>
-              <a:t>9/14/2015</a:t>
+              <a:t>9/16/2015</a:t>
             </a:fld>
             <a:endParaRPr lang="en-US"/>
           </a:p>
@@ -2437,7 +2605,7 @@
           <a:p>
             <a:fld id="{DA7FE7D8-F689-4FBC-B269-CA6BD99A00E7}" type="datetimeFigureOut">
               <a:rPr lang="en-US" smtClean="0"/>
-              <a:t>9/14/2015</a:t>
+              <a:t>9/16/2015</a:t>
             </a:fld>
             <a:endParaRPr lang="en-US"/>
           </a:p>
@@ -2714,7 +2882,7 @@
           <a:p>
             <a:fld id="{DA7FE7D8-F689-4FBC-B269-CA6BD99A00E7}" type="datetimeFigureOut">
               <a:rPr lang="en-US" smtClean="0"/>
-              <a:t>9/14/2015</a:t>
+              <a:t>9/16/2015</a:t>
             </a:fld>
             <a:endParaRPr lang="en-US"/>
           </a:p>
@@ -2967,7 +3135,7 @@
           <a:p>
             <a:fld id="{DA7FE7D8-F689-4FBC-B269-CA6BD99A00E7}" type="datetimeFigureOut">
               <a:rPr lang="en-US" smtClean="0"/>
-              <a:t>9/14/2015</a:t>
+              <a:t>9/16/2015</a:t>
             </a:fld>
             <a:endParaRPr lang="en-US"/>
           </a:p>
@@ -3180,7 +3348,7 @@
           <a:p>
             <a:fld id="{DA7FE7D8-F689-4FBC-B269-CA6BD99A00E7}" type="datetimeFigureOut">
               <a:rPr lang="en-US" smtClean="0"/>
-              <a:t>9/14/2015</a:t>
+              <a:t>9/16/2015</a:t>
             </a:fld>
             <a:endParaRPr lang="en-US"/>
           </a:p>
@@ -3739,11 +3907,7 @@
             </a:r>
             <a:r>
               <a:rPr lang="en-US" sz="7200" b="1" dirty="0" smtClean="0"/>
-              <a:t>: </a:t>
-            </a:r>
-            <a:r>
-              <a:rPr lang="en-US" sz="7200" b="1" dirty="0" smtClean="0"/>
-              <a:t>Streaming</a:t>
+              <a:t>: Streaming</a:t>
             </a:r>
             <a:endParaRPr lang="en-US" sz="7200" b="1" dirty="0"/>
           </a:p>
@@ -4498,8 +4662,8 @@
           </a:p>
         </p:txBody>
       </p:sp>
-      <mc:AlternateContent xmlns:mc="http://schemas.openxmlformats.org/markup-compatibility/2006">
-        <mc:Choice xmlns:a14="http://schemas.microsoft.com/office/drawing/2010/main" Requires="a14">
+      <mc:AlternateContent xmlns:mc="http://schemas.openxmlformats.org/markup-compatibility/2006" xmlns:a14="http://schemas.microsoft.com/office/drawing/2010/main">
+        <mc:Choice Requires="a14">
           <p:sp>
             <p:nvSpPr>
               <p:cNvPr id="3" name="Content Placeholder 2"/>
@@ -5247,13 +5411,7 @@
                   <a:rPr lang="en-US" b="0" dirty="0" smtClean="0">
                     <a:latin typeface="Cambria Math"/>
                   </a:rPr>
-                  <a:t>Count </a:t>
-                </a:r>
-                <a:r>
-                  <a:rPr lang="en-US" b="0" dirty="0" smtClean="0">
-                    <a:latin typeface="Cambria Math"/>
-                  </a:rPr>
-                  <a:t>Sketch: Count-Min with </a:t>
+                  <a:t>Count Sketch: Count-Min with </a:t>
                 </a:r>
                 <a:r>
                   <a:rPr lang="en-US" b="1" dirty="0" smtClean="0">
@@ -5491,7 +5649,7 @@
             </p:txBody>
           </p:sp>
         </mc:Choice>
-        <mc:Fallback>
+        <mc:Fallback xmlns="">
           <p:sp>
             <p:nvSpPr>
               <p:cNvPr id="3" name="Content Placeholder 2"/>
@@ -6015,8 +6173,8 @@
           </a:p>
         </p:txBody>
       </p:sp>
-      <mc:AlternateContent xmlns:mc="http://schemas.openxmlformats.org/markup-compatibility/2006">
-        <mc:Choice xmlns:a14="http://schemas.microsoft.com/office/drawing/2010/main" Requires="a14">
+      <mc:AlternateContent xmlns:mc="http://schemas.openxmlformats.org/markup-compatibility/2006" xmlns:a14="http://schemas.microsoft.com/office/drawing/2010/main">
+        <mc:Choice Requires="a14">
           <p:sp>
             <p:nvSpPr>
               <p:cNvPr id="3" name="Content Placeholder 2"/>
@@ -6162,7 +6320,25 @@
                           <a:rPr lang="en-US" b="0" i="1" smtClean="0">
                             <a:latin typeface="Cambria Math"/>
                           </a:rPr>
-                          <m:t>−1,1</m:t>
+                          <m:t>−</m:t>
+                        </m:r>
+                        <m:r>
+                          <a:rPr lang="en-US" b="0" i="1" smtClean="0">
+                            <a:latin typeface="Cambria Math"/>
+                          </a:rPr>
+                          <m:t>1</m:t>
+                        </m:r>
+                        <m:r>
+                          <a:rPr lang="en-US" b="0" i="1" smtClean="0">
+                            <a:latin typeface="Cambria Math"/>
+                          </a:rPr>
+                          <m:t>,</m:t>
+                        </m:r>
+                        <m:r>
+                          <a:rPr lang="en-US" b="0" i="1" smtClean="0">
+                            <a:latin typeface="Cambria Math"/>
+                          </a:rPr>
+                          <m:t>1</m:t>
                         </m:r>
                       </m:e>
                     </m:d>
@@ -6515,7 +6691,13 @@
                             <a:rPr lang="en-US" b="0" i="1" dirty="0" smtClean="0">
                               <a:latin typeface="Cambria Math"/>
                             </a:rPr>
-                            <m:t>1,</m:t>
+                            <m:t>1</m:t>
+                          </m:r>
+                          <m:r>
+                            <a:rPr lang="en-US" b="0" i="1" dirty="0" smtClean="0">
+                              <a:latin typeface="Cambria Math"/>
+                            </a:rPr>
+                            <m:t>,</m:t>
                           </m:r>
                           <m:sSub>
                             <m:sSubPr>
@@ -7041,7 +7223,19 @@
                         <a:rPr lang="en-US" b="0" i="1" smtClean="0">
                           <a:latin typeface="Cambria Math"/>
                         </a:rPr>
-                        <m:t>≥1 −</m:t>
+                        <m:t>≥</m:t>
+                      </m:r>
+                      <m:r>
+                        <a:rPr lang="en-US" b="0" i="1" smtClean="0">
+                          <a:latin typeface="Cambria Math"/>
+                        </a:rPr>
+                        <m:t>1</m:t>
+                      </m:r>
+                      <m:r>
+                        <a:rPr lang="en-US" b="0" i="1" smtClean="0">
+                          <a:latin typeface="Cambria Math"/>
+                        </a:rPr>
+                        <m:t> −</m:t>
                       </m:r>
                       <m:r>
                         <a:rPr lang="en-US" b="0" i="1" smtClean="0">
@@ -7060,7 +7254,7 @@
             </p:txBody>
           </p:sp>
         </mc:Choice>
-        <mc:Fallback>
+        <mc:Fallback xmlns="">
           <p:sp>
             <p:nvSpPr>
               <p:cNvPr id="3" name="Content Placeholder 2"/>
@@ -9017,8 +9211,8 @@
           <a:chExt cx="0" cy="0"/>
         </a:xfrm>
       </p:grpSpPr>
-      <mc:AlternateContent xmlns:mc="http://schemas.openxmlformats.org/markup-compatibility/2006" xmlns:a14="http://schemas.microsoft.com/office/drawing/2010/main">
-        <mc:Choice Requires="a14">
+      <mc:AlternateContent xmlns:mc="http://schemas.openxmlformats.org/markup-compatibility/2006">
+        <mc:Choice xmlns:a14="http://schemas.microsoft.com/office/drawing/2010/main" Requires="a14">
           <p:sp>
             <p:nvSpPr>
               <p:cNvPr id="2" name="Title 1"/>
@@ -9031,7 +9225,9 @@
             </p:nvSpPr>
             <p:spPr/>
             <p:txBody>
-              <a:bodyPr/>
+              <a:bodyPr>
+                <a:normAutofit/>
+              </a:bodyPr>
               <a:lstStyle/>
               <a:p>
                 <a:r>
@@ -9086,14 +9282,44 @@
                       <a:srgbClr val="0070C0"/>
                     </a:solidFill>
                   </a:rPr>
-                  <a:t> estimation</a:t>
+                  <a:t> </a:t>
                 </a:r>
+                <a:r>
+                  <a:rPr lang="en-US" dirty="0" smtClean="0">
+                    <a:solidFill>
+                      <a:srgbClr val="0070C0"/>
+                    </a:solidFill>
+                  </a:rPr>
+                  <a:t>estimation for </a:t>
+                </a:r>
+                <a14:m>
+                  <m:oMath xmlns:m="http://schemas.openxmlformats.org/officeDocument/2006/math">
+                    <m:r>
+                      <a:rPr lang="en-US" b="0" i="1" smtClean="0">
+                        <a:solidFill>
+                          <a:srgbClr val="0070C0"/>
+                        </a:solidFill>
+                        <a:latin typeface="Cambria Math"/>
+                      </a:rPr>
+                      <m:t>𝑘</m:t>
+                    </m:r>
+                    <m:r>
+                      <a:rPr lang="en-US" b="0" i="1" smtClean="0">
+                        <a:solidFill>
+                          <a:srgbClr val="0070C0"/>
+                        </a:solidFill>
+                        <a:latin typeface="Cambria Math"/>
+                      </a:rPr>
+                      <m:t>≥2</m:t>
+                    </m:r>
+                  </m:oMath>
+                </a14:m>
                 <a:endParaRPr lang="en-US" dirty="0"/>
               </a:p>
             </p:txBody>
           </p:sp>
         </mc:Choice>
-        <mc:Fallback xmlns="">
+        <mc:Fallback>
           <p:sp>
             <p:nvSpPr>
               <p:cNvPr id="2" name="Title 1"/>
@@ -9106,7 +9332,7 @@
             </p:nvSpPr>
             <p:spPr>
               <a:blipFill rotWithShape="1">
-                <a:blip r:embed="rId2"/>
+                <a:blip r:embed="rId3"/>
                 <a:stretch>
                   <a:fillRect b="-8511"/>
                 </a:stretch>
@@ -9153,7 +9379,7 @@
               <a:p>
                 <a:r>
                   <a:rPr lang="en-US" dirty="0" smtClean="0"/>
-                  <a:t>Last time: </a:t>
+                  <a:t>Previously: </a:t>
                 </a:r>
                 <a14:m>
                   <m:oMath xmlns:m="http://schemas.openxmlformats.org/officeDocument/2006/math">
@@ -10439,7 +10665,7 @@
                 <a:ext cx="8458200" cy="4525963"/>
               </a:xfrm>
               <a:blipFill rotWithShape="1">
-                <a:blip r:embed="rId3"/>
+                <a:blip r:embed="rId4"/>
                 <a:stretch>
                   <a:fillRect l="-1153" t="-5660"/>
                 </a:stretch>
@@ -10830,8 +11056,8 @@
           <a:chExt cx="0" cy="0"/>
         </a:xfrm>
       </p:grpSpPr>
-      <mc:AlternateContent xmlns:mc="http://schemas.openxmlformats.org/markup-compatibility/2006" xmlns:a14="http://schemas.microsoft.com/office/drawing/2010/main">
-        <mc:Choice Requires="a14">
+      <mc:AlternateContent xmlns:mc="http://schemas.openxmlformats.org/markup-compatibility/2006">
+        <mc:Choice xmlns:a14="http://schemas.microsoft.com/office/drawing/2010/main" Requires="a14">
           <p:sp>
             <p:nvSpPr>
               <p:cNvPr id="2" name="Title 1"/>
@@ -10899,14 +11125,44 @@
                       <a:srgbClr val="0070C0"/>
                     </a:solidFill>
                   </a:rPr>
-                  <a:t> estimation</a:t>
+                  <a:t> </a:t>
                 </a:r>
+                <a:r>
+                  <a:rPr lang="en-US" dirty="0">
+                    <a:solidFill>
+                      <a:srgbClr val="0070C0"/>
+                    </a:solidFill>
+                  </a:rPr>
+                  <a:t>estimation for </a:t>
+                </a:r>
+                <a14:m>
+                  <m:oMath xmlns:m="http://schemas.openxmlformats.org/officeDocument/2006/math">
+                    <m:r>
+                      <a:rPr lang="en-US" i="1">
+                        <a:solidFill>
+                          <a:srgbClr val="0070C0"/>
+                        </a:solidFill>
+                        <a:latin typeface="Cambria Math"/>
+                      </a:rPr>
+                      <m:t>𝑘</m:t>
+                    </m:r>
+                    <m:r>
+                      <a:rPr lang="en-US" i="1">
+                        <a:solidFill>
+                          <a:srgbClr val="0070C0"/>
+                        </a:solidFill>
+                        <a:latin typeface="Cambria Math"/>
+                      </a:rPr>
+                      <m:t>≥2</m:t>
+                    </m:r>
+                  </m:oMath>
+                </a14:m>
                 <a:endParaRPr lang="en-US" dirty="0"/>
               </a:p>
             </p:txBody>
           </p:sp>
         </mc:Choice>
-        <mc:Fallback xmlns="">
+        <mc:Fallback>
           <p:sp>
             <p:nvSpPr>
               <p:cNvPr id="2" name="Title 1"/>
@@ -13240,7 +13496,7 @@
             </p:nvSpPr>
             <p:spPr>
               <a:blipFill rotWithShape="1">
-                <a:blip r:embed="rId2"/>
+                <a:blip r:embed="rId3"/>
                 <a:stretch>
                   <a:fillRect b="-8511"/>
                 </a:stretch>
@@ -13261,8 +13517,8 @@
           </p:sp>
         </mc:Fallback>
       </mc:AlternateContent>
-      <mc:AlternateContent xmlns:mc="http://schemas.openxmlformats.org/markup-compatibility/2006" xmlns:a14="http://schemas.microsoft.com/office/drawing/2010/main">
-        <mc:Choice Requires="a14">
+      <mc:AlternateContent xmlns:mc="http://schemas.openxmlformats.org/markup-compatibility/2006">
+        <mc:Choice xmlns:a14="http://schemas.microsoft.com/office/drawing/2010/main" Requires="a14">
           <p:sp>
             <p:nvSpPr>
               <p:cNvPr id="3" name="Content Placeholder 2"/>
@@ -14145,8 +14401,60 @@
                 </a14:m>
                 <a:r>
                   <a:rPr lang="en-US" dirty="0" smtClean="0"/>
-                  <a:t> is large enough:</a:t>
+                  <a:t> is large </a:t>
                 </a:r>
+                <a:r>
+                  <a:rPr lang="en-US" dirty="0" smtClean="0"/>
+                  <a:t>enough (</a:t>
+                </a:r>
+                <a14:m>
+                  <m:oMath xmlns:m="http://schemas.openxmlformats.org/officeDocument/2006/math">
+                    <m:r>
+                      <a:rPr lang="en-US" b="0" i="1" smtClean="0">
+                        <a:latin typeface="Cambria Math"/>
+                      </a:rPr>
+                      <m:t>𝑡</m:t>
+                    </m:r>
+                    <m:r>
+                      <a:rPr lang="en-US" b="0" i="1" smtClean="0">
+                        <a:latin typeface="Cambria Math"/>
+                      </a:rPr>
+                      <m:t>=</m:t>
+                    </m:r>
+                    <m:r>
+                      <m:rPr>
+                        <m:sty m:val="p"/>
+                      </m:rPr>
+                      <a:rPr lang="en-US" b="0" i="0" smtClean="0">
+                        <a:latin typeface="Cambria Math"/>
+                      </a:rPr>
+                      <m:t>Ω</m:t>
+                    </m:r>
+                    <m:r>
+                      <a:rPr lang="en-US" b="0" i="1" smtClean="0">
+                        <a:latin typeface="Cambria Math"/>
+                      </a:rPr>
+                      <m:t>(1/</m:t>
+                    </m:r>
+                    <m:r>
+                      <a:rPr lang="en-US" b="0" i="1" smtClean="0">
+                        <a:latin typeface="Cambria Math"/>
+                      </a:rPr>
+                      <m:t>𝜖</m:t>
+                    </m:r>
+                    <m:r>
+                      <a:rPr lang="en-US" b="0" i="1" smtClean="0">
+                        <a:latin typeface="Cambria Math"/>
+                      </a:rPr>
+                      <m:t>)</m:t>
+                    </m:r>
+                  </m:oMath>
+                </a14:m>
+                <a:r>
+                  <a:rPr lang="en-US" dirty="0" smtClean="0"/>
+                  <a:t>)</a:t>
+                </a:r>
+                <a:endParaRPr lang="en-US" baseline="-25000" dirty="0" smtClean="0"/>
               </a:p>
               <a:p>
                 <a:pPr marL="0" indent="0">
@@ -15075,7 +15383,7 @@
             </p:txBody>
           </p:sp>
         </mc:Choice>
-        <mc:Fallback xmlns="">
+        <mc:Fallback>
           <p:sp>
             <p:nvSpPr>
               <p:cNvPr id="3" name="Content Placeholder 2"/>
@@ -15092,7 +15400,7 @@
                 <a:ext cx="8915400" cy="5410200"/>
               </a:xfrm>
               <a:blipFill rotWithShape="1">
-                <a:blip r:embed="rId3"/>
+                <a:blip r:embed="rId4"/>
                 <a:stretch>
                   <a:fillRect l="-752"/>
                 </a:stretch>
@@ -15670,8 +15978,8 @@
           </p:sp>
         </mc:Fallback>
       </mc:AlternateContent>
-      <mc:AlternateContent xmlns:mc="http://schemas.openxmlformats.org/markup-compatibility/2006" xmlns:a14="http://schemas.microsoft.com/office/drawing/2010/main">
-        <mc:Choice Requires="a14">
+      <mc:AlternateContent xmlns:mc="http://schemas.openxmlformats.org/markup-compatibility/2006">
+        <mc:Choice xmlns:a14="http://schemas.microsoft.com/office/drawing/2010/main" Requires="a14">
           <p:sp>
             <p:nvSpPr>
               <p:cNvPr id="3" name="Content Placeholder 2"/>
@@ -15810,39 +16118,51 @@
                 </a:pPr>
                 <a14:m>
                   <m:oMath xmlns:m="http://schemas.openxmlformats.org/officeDocument/2006/math">
-                    <m:sSubSup>
-                      <m:sSubSupPr>
+                    <m:acc>
+                      <m:accPr>
+                        <m:chr m:val="̂"/>
                         <m:ctrlPr>
                           <a:rPr lang="en-US" b="0" i="1" smtClean="0">
                             <a:latin typeface="Cambria Math"/>
                           </a:rPr>
                         </m:ctrlPr>
-                      </m:sSubSupPr>
+                      </m:accPr>
                       <m:e>
-                        <m:r>
-                          <a:rPr lang="en-US" b="0" i="1" smtClean="0">
-                            <a:latin typeface="Cambria Math"/>
-                          </a:rPr>
-                          <m:t>𝑔</m:t>
-                        </m:r>
+                        <m:sSubSup>
+                          <m:sSubSupPr>
+                            <m:ctrlPr>
+                              <a:rPr lang="en-US" i="1">
+                                <a:latin typeface="Cambria Math"/>
+                              </a:rPr>
+                            </m:ctrlPr>
+                          </m:sSubSupPr>
+                          <m:e>
+                            <m:r>
+                              <a:rPr lang="en-US" i="1">
+                                <a:latin typeface="Cambria Math"/>
+                              </a:rPr>
+                              <m:t>𝑔</m:t>
+                            </m:r>
+                          </m:e>
+                          <m:sub>
+                            <m:r>
+                              <a:rPr lang="en-US" i="1">
+                                <a:latin typeface="Cambria Math"/>
+                              </a:rPr>
+                              <m:t>𝑖</m:t>
+                            </m:r>
+                          </m:sub>
+                          <m:sup>
+                            <m:r>
+                              <a:rPr lang="en-US" i="1">
+                                <a:latin typeface="Cambria Math"/>
+                              </a:rPr>
+                              <m:t>2</m:t>
+                            </m:r>
+                          </m:sup>
+                        </m:sSubSup>
                       </m:e>
-                      <m:sub>
-                        <m:r>
-                          <a:rPr lang="en-US" b="0" i="1" smtClean="0">
-                            <a:latin typeface="Cambria Math"/>
-                          </a:rPr>
-                          <m:t>𝑖</m:t>
-                        </m:r>
-                      </m:sub>
-                      <m:sup>
-                        <m:r>
-                          <a:rPr lang="en-US" b="0" i="1" smtClean="0">
-                            <a:latin typeface="Cambria Math"/>
-                          </a:rPr>
-                          <m:t>2</m:t>
-                        </m:r>
-                      </m:sup>
-                    </m:sSubSup>
+                    </m:acc>
                     <m:r>
                       <a:rPr lang="en-US" b="0" i="1" smtClean="0">
                         <a:latin typeface="Cambria Math"/>
@@ -16495,10 +16815,13 @@
                 <a14:m>
                   <m:oMath xmlns:m="http://schemas.openxmlformats.org/officeDocument/2006/math">
                     <m:r>
-                      <a:rPr lang="en-US" b="0" i="1" smtClean="0">
+                      <m:rPr>
+                        <m:sty m:val="p"/>
+                      </m:rPr>
+                      <a:rPr lang="en-US">
                         <a:latin typeface="Cambria Math"/>
                       </a:rPr>
-                      <m:t>𝑚</m:t>
+                      <m:t>m</m:t>
                     </m:r>
                     <m:r>
                       <a:rPr lang="en-US" b="0" i="1" smtClean="0">
@@ -16893,7 +17216,7 @@
                       <a:rPr lang="en-US" b="0" i="1" smtClean="0">
                         <a:latin typeface="Cambria Math"/>
                       </a:rPr>
-                      <m:t>≤</m:t>
+                      <m:t>≥</m:t>
                     </m:r>
                     <m:f>
                       <m:fPr>
@@ -16947,7 +17270,7 @@
             </p:txBody>
           </p:sp>
         </mc:Choice>
-        <mc:Fallback xmlns="">
+        <mc:Fallback>
           <p:sp>
             <p:nvSpPr>
               <p:cNvPr id="3" name="Content Placeholder 2"/>
@@ -17471,8 +17794,8 @@
           </a:p>
         </p:txBody>
       </p:sp>
-      <mc:AlternateContent xmlns:mc="http://schemas.openxmlformats.org/markup-compatibility/2006" xmlns:a14="http://schemas.microsoft.com/office/drawing/2010/main">
-        <mc:Choice Requires="a14">
+      <mc:AlternateContent xmlns:mc="http://schemas.openxmlformats.org/markup-compatibility/2006">
+        <mc:Choice xmlns:a14="http://schemas.microsoft.com/office/drawing/2010/main" Requires="a14">
           <p:sp>
             <p:nvSpPr>
               <p:cNvPr id="3" name="Content Placeholder 2"/>
@@ -18236,6 +18559,12 @@
                           <a:rPr lang="en-US" b="0" i="1" smtClean="0">
                             <a:latin typeface="Cambria Math"/>
                           </a:rPr>
+                          <m:t>2</m:t>
+                        </m:r>
+                        <m:r>
+                          <a:rPr lang="en-US" b="0" i="1" smtClean="0">
+                            <a:latin typeface="Cambria Math"/>
+                          </a:rPr>
                           <m:t>𝜖</m:t>
                         </m:r>
                       </m:sup>
@@ -18526,6 +18855,69 @@
                           </m:sSubSup>
                         </m:e>
                       </m:d>
+                      <m:r>
+                        <a:rPr lang="en-US" b="0" i="1" smtClean="0">
+                          <a:latin typeface="Cambria Math"/>
+                        </a:rPr>
+                        <m:t>−</m:t>
+                      </m:r>
+                      <m:sSup>
+                        <m:sSupPr>
+                          <m:ctrlPr>
+                            <a:rPr lang="en-US" i="1">
+                              <a:latin typeface="Cambria Math"/>
+                            </a:rPr>
+                          </m:ctrlPr>
+                        </m:sSupPr>
+                        <m:e>
+                          <m:d>
+                            <m:dPr>
+                              <m:begChr m:val="|"/>
+                              <m:endChr m:val="|"/>
+                              <m:ctrlPr>
+                                <a:rPr lang="en-US" i="1">
+                                  <a:latin typeface="Cambria Math"/>
+                                </a:rPr>
+                              </m:ctrlPr>
+                            </m:dPr>
+                            <m:e>
+                              <m:sSub>
+                                <m:sSubPr>
+                                  <m:ctrlPr>
+                                    <a:rPr lang="en-US" i="1">
+                                      <a:latin typeface="Cambria Math"/>
+                                    </a:rPr>
+                                  </m:ctrlPr>
+                                </m:sSubPr>
+                                <m:e>
+                                  <m:r>
+                                    <a:rPr lang="en-US" i="1">
+                                      <a:latin typeface="Cambria Math"/>
+                                    </a:rPr>
+                                    <m:t>𝑔</m:t>
+                                  </m:r>
+                                </m:e>
+                                <m:sub>
+                                  <m:r>
+                                    <a:rPr lang="en-US" i="1">
+                                      <a:latin typeface="Cambria Math"/>
+                                    </a:rPr>
+                                    <m:t>𝑖</m:t>
+                                  </m:r>
+                                </m:sub>
+                              </m:sSub>
+                            </m:e>
+                          </m:d>
+                        </m:e>
+                        <m:sup>
+                          <m:r>
+                            <a:rPr lang="en-US" i="1">
+                              <a:latin typeface="Cambria Math"/>
+                            </a:rPr>
+                            <m:t>2</m:t>
+                          </m:r>
+                        </m:sup>
+                      </m:sSup>
                       <m:r>
                         <a:rPr lang="en-US" b="0" i="1" smtClean="0">
                           <a:latin typeface="Cambria Math"/>
@@ -19121,7 +19513,7 @@
             </p:txBody>
           </p:sp>
         </mc:Choice>
-        <mc:Fallback xmlns="">
+        <mc:Fallback>
           <p:sp>
             <p:nvSpPr>
               <p:cNvPr id="3" name="Content Placeholder 2"/>
@@ -21182,8 +21574,8 @@
           </p:sp>
         </mc:Fallback>
       </mc:AlternateContent>
-      <mc:AlternateContent xmlns:mc="http://schemas.openxmlformats.org/markup-compatibility/2006" xmlns:a14="http://schemas.microsoft.com/office/drawing/2010/main">
-        <mc:Choice Requires="a14">
+      <mc:AlternateContent xmlns:mc="http://schemas.openxmlformats.org/markup-compatibility/2006">
+        <mc:Choice xmlns:a14="http://schemas.microsoft.com/office/drawing/2010/main" Requires="a14">
           <p:sp>
             <p:nvSpPr>
               <p:cNvPr id="3" name="Content Placeholder 2"/>
@@ -21241,7 +21633,13 @@
                       <a:rPr lang="en-US" b="0" i="1" smtClean="0">
                         <a:latin typeface="Cambria Math"/>
                       </a:rPr>
-                      <m:t>=1</m:t>
+                      <m:t>=</m:t>
+                    </m:r>
+                    <m:r>
+                      <a:rPr lang="en-US" b="0" i="1" smtClean="0">
+                        <a:latin typeface="Cambria Math"/>
+                      </a:rPr>
+                      <m:t>1</m:t>
                     </m:r>
                   </m:oMath>
                 </a14:m>
@@ -21251,6 +21649,68 @@
                 </a:r>
                 <a14:m>
                   <m:oMath xmlns:m="http://schemas.openxmlformats.org/officeDocument/2006/math">
+                    <m:sSup>
+                      <m:sSupPr>
+                        <m:ctrlPr>
+                          <a:rPr lang="en-US" i="1" dirty="0">
+                            <a:latin typeface="Cambria Math"/>
+                          </a:rPr>
+                        </m:ctrlPr>
+                      </m:sSupPr>
+                      <m:e>
+                        <m:acc>
+                          <m:accPr>
+                            <m:chr m:val="̂"/>
+                            <m:ctrlPr>
+                              <a:rPr lang="en-US" i="1">
+                                <a:latin typeface="Cambria Math"/>
+                              </a:rPr>
+                            </m:ctrlPr>
+                          </m:accPr>
+                          <m:e>
+                            <m:sSub>
+                              <m:sSubPr>
+                                <m:ctrlPr>
+                                  <a:rPr lang="en-US" b="0" i="1" smtClean="0">
+                                    <a:latin typeface="Cambria Math"/>
+                                  </a:rPr>
+                                </m:ctrlPr>
+                              </m:sSubPr>
+                              <m:e>
+                                <m:r>
+                                  <a:rPr lang="en-US" b="0" i="1" smtClean="0">
+                                    <a:latin typeface="Cambria Math"/>
+                                  </a:rPr>
+                                  <m:t>𝑔</m:t>
+                                </m:r>
+                              </m:e>
+                              <m:sub>
+                                <m:r>
+                                  <a:rPr lang="en-US" b="0" i="1" smtClean="0">
+                                    <a:latin typeface="Cambria Math"/>
+                                  </a:rPr>
+                                  <m:t>𝑖</m:t>
+                                </m:r>
+                              </m:sub>
+                            </m:sSub>
+                          </m:e>
+                        </m:acc>
+                      </m:e>
+                      <m:sup>
+                        <m:r>
+                          <a:rPr lang="en-US" i="1" dirty="0">
+                            <a:latin typeface="Cambria Math"/>
+                          </a:rPr>
+                          <m:t>2</m:t>
+                        </m:r>
+                      </m:sup>
+                    </m:sSup>
+                    <m:r>
+                      <a:rPr lang="en-US" b="0" i="1" dirty="0" smtClean="0">
+                        <a:latin typeface="Cambria Math"/>
+                      </a:rPr>
+                      <m:t>=</m:t>
+                    </m:r>
                     <m:sSup>
                       <m:sSupPr>
                         <m:ctrlPr>
@@ -21363,6 +21823,18 @@
                         </m:r>
                       </m:den>
                     </m:f>
+                    <m:r>
+                      <a:rPr lang="en-US" b="0" i="1" dirty="0" smtClean="0">
+                        <a:latin typeface="Cambria Math"/>
+                      </a:rPr>
+                      <m:t>=</m:t>
+                    </m:r>
+                    <m:r>
+                      <a:rPr lang="en-US" b="0" i="1" dirty="0" smtClean="0">
+                        <a:latin typeface="Cambria Math"/>
+                      </a:rPr>
+                      <m:t>𝑡</m:t>
+                    </m:r>
                   </m:oMath>
                 </a14:m>
                 <a:r>
@@ -21400,7 +21872,13 @@
                       <a:rPr lang="en-US" b="0" i="1" smtClean="0">
                         <a:latin typeface="Cambria Math"/>
                       </a:rPr>
-                      <m:t>=0</m:t>
+                      <m:t>=</m:t>
+                    </m:r>
+                    <m:r>
+                      <a:rPr lang="en-US" b="0" i="1" smtClean="0">
+                        <a:latin typeface="Cambria Math"/>
+                      </a:rPr>
+                      <m:t>0</m:t>
                     </m:r>
                   </m:oMath>
                 </a14:m>
@@ -21459,7 +21937,13 @@
                       <a:rPr lang="en-US" b="0" i="1" smtClean="0">
                         <a:latin typeface="Cambria Math"/>
                       </a:rPr>
-                      <m:t>=1</m:t>
+                      <m:t>=</m:t>
+                    </m:r>
+                    <m:r>
+                      <a:rPr lang="en-US" b="0" i="1" smtClean="0">
+                        <a:latin typeface="Cambria Math"/>
+                      </a:rPr>
+                      <m:t>1</m:t>
                     </m:r>
                   </m:oMath>
                 </a14:m>
@@ -22245,7 +22729,13 @@
                           <a:rPr lang="en-US" b="0" i="1" smtClean="0">
                             <a:latin typeface="Cambria Math"/>
                           </a:rPr>
-                          <m:t>±4</m:t>
+                          <m:t>±</m:t>
+                        </m:r>
+                        <m:r>
+                          <a:rPr lang="en-US" b="0" i="1" smtClean="0">
+                            <a:latin typeface="Cambria Math"/>
+                          </a:rPr>
+                          <m:t>4</m:t>
                         </m:r>
                         <m:r>
                           <a:rPr lang="en-US" b="0" i="1" smtClean="0">
@@ -22423,7 +22913,13 @@
                       <a:rPr lang="en-US" b="0" i="0" smtClean="0">
                         <a:latin typeface="Cambria Math"/>
                       </a:rPr>
-                      <m:t>=1</m:t>
+                      <m:t>=</m:t>
+                    </m:r>
+                    <m:r>
+                      <a:rPr lang="en-US" b="0" i="0" smtClean="0">
+                        <a:latin typeface="Cambria Math"/>
+                      </a:rPr>
+                      <m:t>1</m:t>
                     </m:r>
                   </m:oMath>
                 </a14:m>
@@ -22532,7 +23028,19 @@
                           <a:rPr lang="en-US" b="0" i="1" smtClean="0">
                             <a:latin typeface="Cambria Math"/>
                           </a:rPr>
-                          <m:t>±8 </m:t>
+                          <m:t>±</m:t>
+                        </m:r>
+                        <m:r>
+                          <a:rPr lang="en-US" b="0" i="1" smtClean="0">
+                            <a:latin typeface="Cambria Math"/>
+                          </a:rPr>
+                          <m:t>8</m:t>
+                        </m:r>
+                        <m:r>
+                          <a:rPr lang="en-US" b="0" i="1" smtClean="0">
+                            <a:latin typeface="Cambria Math"/>
+                          </a:rPr>
+                          <m:t> </m:t>
                         </m:r>
                         <m:r>
                           <a:rPr lang="en-US" b="0" i="1" smtClean="0">
@@ -22652,7 +23160,13 @@
                               <a:rPr lang="en-US" b="0" i="1" smtClean="0">
                                 <a:latin typeface="Cambria Math"/>
                               </a:rPr>
-                              <m:t>−1</m:t>
+                              <m:t>−</m:t>
+                            </m:r>
+                            <m:r>
+                              <a:rPr lang="en-US" b="0" i="1" smtClean="0">
+                                <a:latin typeface="Cambria Math"/>
+                              </a:rPr>
+                              <m:t>1</m:t>
                             </m:r>
                           </m:sup>
                         </m:sSup>
@@ -22727,7 +23241,13 @@
                           <a:rPr lang="en-US" b="0" i="1" smtClean="0">
                             <a:latin typeface="Cambria Math"/>
                           </a:rPr>
-                          <m:t>−2</m:t>
+                          <m:t>−</m:t>
+                        </m:r>
+                        <m:r>
+                          <a:rPr lang="en-US" b="0" i="1" smtClean="0">
+                            <a:latin typeface="Cambria Math"/>
+                          </a:rPr>
+                          <m:t>2</m:t>
                         </m:r>
                       </m:sup>
                     </m:sSup>
@@ -22765,7 +23285,7 @@
             </p:txBody>
           </p:sp>
         </mc:Choice>
-        <mc:Fallback xmlns="">
+        <mc:Fallback>
           <p:sp>
             <p:nvSpPr>
               <p:cNvPr id="3" name="Content Placeholder 2"/>
@@ -25549,7 +26069,13 @@
                               <a:rPr lang="en-US" b="0" i="1" smtClean="0">
                                 <a:latin typeface="Cambria Math"/>
                               </a:rPr>
-                              <m:t>=1</m:t>
+                              <m:t>=</m:t>
+                            </m:r>
+                            <m:r>
+                              <a:rPr lang="en-US" b="0" i="1" smtClean="0">
+                                <a:latin typeface="Cambria Math"/>
+                              </a:rPr>
+                              <m:t>1</m:t>
                             </m:r>
                           </m:e>
                         </m:d>
@@ -25635,7 +26161,13 @@
                                 <a:rPr lang="en-US" b="0" i="1" smtClean="0">
                                   <a:latin typeface="Cambria Math"/>
                                 </a:rPr>
-                                <m:t>=1</m:t>
+                                <m:t>=</m:t>
+                              </m:r>
+                              <m:r>
+                                <a:rPr lang="en-US" b="0" i="1" smtClean="0">
+                                  <a:latin typeface="Cambria Math"/>
+                                </a:rPr>
+                                <m:t>1</m:t>
                               </m:r>
                             </m:e>
                           </m:d>
@@ -26094,7 +26626,13 @@
                               <a:rPr lang="en-US" b="0" i="1" smtClean="0">
                                 <a:latin typeface="Cambria Math"/>
                               </a:rPr>
-                              <m:t>=1</m:t>
+                              <m:t>=</m:t>
+                            </m:r>
+                            <m:r>
+                              <a:rPr lang="en-US" b="0" i="1" smtClean="0">
+                                <a:latin typeface="Cambria Math"/>
+                              </a:rPr>
+                              <m:t>1</m:t>
                             </m:r>
                           </m:e>
                         </m:d>
@@ -26136,7 +26674,13 @@
                               <a:rPr lang="en-US" b="0" i="1" smtClean="0">
                                 <a:latin typeface="Cambria Math"/>
                               </a:rPr>
-                              <m:t>−4</m:t>
+                              <m:t>−</m:t>
+                            </m:r>
+                            <m:r>
+                              <a:rPr lang="en-US" b="0" i="1" smtClean="0">
+                                <a:latin typeface="Cambria Math"/>
+                              </a:rPr>
+                              <m:t>4</m:t>
                             </m:r>
                             <m:r>
                               <a:rPr lang="en-US" b="0" i="1" smtClean="0">
@@ -26299,7 +26843,19 @@
                                     <a:rPr lang="en-US" b="0" i="1" smtClean="0">
                                       <a:latin typeface="Cambria Math"/>
                                     </a:rPr>
-                                    <m:t>=1, </m:t>
+                                    <m:t>=</m:t>
+                                  </m:r>
+                                  <m:r>
+                                    <a:rPr lang="en-US" b="0" i="1" smtClean="0">
+                                      <a:latin typeface="Cambria Math"/>
+                                    </a:rPr>
+                                    <m:t>1</m:t>
+                                  </m:r>
+                                  <m:r>
+                                    <a:rPr lang="en-US" b="0" i="1" smtClean="0">
+                                      <a:latin typeface="Cambria Math"/>
+                                    </a:rPr>
+                                    <m:t>, </m:t>
                                   </m:r>
                                   <m:nary>
                                     <m:naryPr>
@@ -26362,7 +26918,13 @@
                                         <a:rPr lang="en-US" b="0" i="1" smtClean="0">
                                           <a:latin typeface="Cambria Math"/>
                                         </a:rPr>
-                                        <m:t>=0</m:t>
+                                        <m:t>=</m:t>
+                                      </m:r>
+                                      <m:r>
+                                        <a:rPr lang="en-US" b="0" i="1" smtClean="0">
+                                          <a:latin typeface="Cambria Math"/>
+                                        </a:rPr>
+                                        <m:t>0</m:t>
                                       </m:r>
                                     </m:e>
                                   </m:nary>
@@ -26376,7 +26938,19 @@
                         <a:rPr lang="en-US" b="0" i="1" smtClean="0">
                           <a:latin typeface="Cambria Math"/>
                         </a:rPr>
-                        <m:t>≈1/</m:t>
+                        <m:t>≈</m:t>
+                      </m:r>
+                      <m:r>
+                        <a:rPr lang="en-US" b="0" i="1" smtClean="0">
+                          <a:latin typeface="Cambria Math"/>
+                        </a:rPr>
+                        <m:t>1</m:t>
+                      </m:r>
+                      <m:r>
+                        <a:rPr lang="en-US" b="0" i="1" smtClean="0">
+                          <a:latin typeface="Cambria Math"/>
+                        </a:rPr>
+                        <m:t>/</m:t>
                       </m:r>
                       <m:r>
                         <a:rPr lang="en-US" b="0" i="1" smtClean="0">
@@ -26530,7 +27104,19 @@
                             <a:rPr lang="en-US" b="0" i="1" smtClean="0">
                               <a:latin typeface="Cambria Math"/>
                             </a:rPr>
-                            <m:t>=1, </m:t>
+                            <m:t>=</m:t>
+                          </m:r>
+                          <m:r>
+                            <a:rPr lang="en-US" b="0" i="1" smtClean="0">
+                              <a:latin typeface="Cambria Math"/>
+                            </a:rPr>
+                            <m:t>1</m:t>
+                          </m:r>
+                          <m:r>
+                            <a:rPr lang="en-US" b="0" i="1" smtClean="0">
+                              <a:latin typeface="Cambria Math"/>
+                            </a:rPr>
+                            <m:t>, </m:t>
                           </m:r>
                           <m:nary>
                             <m:naryPr>
@@ -26593,7 +27179,13 @@
                                 <a:rPr lang="en-US" b="0" i="1" smtClean="0">
                                   <a:latin typeface="Cambria Math"/>
                                 </a:rPr>
-                                <m:t>=0</m:t>
+                                <m:t>=</m:t>
+                              </m:r>
+                              <m:r>
+                                <a:rPr lang="en-US" b="0" i="1" smtClean="0">
+                                  <a:latin typeface="Cambria Math"/>
+                                </a:rPr>
+                                <m:t>0</m:t>
                               </m:r>
                             </m:e>
                           </m:nary>
@@ -26685,7 +27277,19 @@
                                         <a:rPr lang="en-US" b="0" i="1" smtClean="0">
                                           <a:latin typeface="Cambria Math"/>
                                         </a:rPr>
-                                        <m:t>=1, </m:t>
+                                        <m:t>=</m:t>
+                                      </m:r>
+                                      <m:r>
+                                        <a:rPr lang="en-US" b="0" i="1" smtClean="0">
+                                          <a:latin typeface="Cambria Math"/>
+                                        </a:rPr>
+                                        <m:t>1</m:t>
+                                      </m:r>
+                                      <m:r>
+                                        <a:rPr lang="en-US" b="0" i="1" smtClean="0">
+                                          <a:latin typeface="Cambria Math"/>
+                                        </a:rPr>
+                                        <m:t>, </m:t>
                                       </m:r>
                                       <m:nary>
                                         <m:naryPr>
@@ -26748,7 +27352,13 @@
                                             <a:rPr lang="en-US" b="0" i="1" smtClean="0">
                                               <a:latin typeface="Cambria Math"/>
                                             </a:rPr>
-                                            <m:t>=0</m:t>
+                                            <m:t>=</m:t>
+                                          </m:r>
+                                          <m:r>
+                                            <a:rPr lang="en-US" b="0" i="1" smtClean="0">
+                                              <a:latin typeface="Cambria Math"/>
+                                            </a:rPr>
+                                            <m:t>0</m:t>
                                           </m:r>
                                         </m:e>
                                       </m:nary>
@@ -26787,7 +27397,13 @@
                             <a:rPr lang="en-US" b="0" i="1" smtClean="0">
                               <a:latin typeface="Cambria Math"/>
                             </a:rPr>
-                            <m:t>±8</m:t>
+                            <m:t>±</m:t>
+                          </m:r>
+                          <m:r>
+                            <a:rPr lang="en-US" b="0" i="1" smtClean="0">
+                              <a:latin typeface="Cambria Math"/>
+                            </a:rPr>
+                            <m:t>8</m:t>
                           </m:r>
                           <m:r>
                             <a:rPr lang="en-US" b="0" i="1" smtClean="0">
@@ -31800,7 +32416,13 @@
                             <a:rPr lang="en-US" b="0" i="1" smtClean="0">
                               <a:latin typeface="Cambria Math"/>
                             </a:rPr>
-                            <m:t>1,</m:t>
+                            <m:t>1</m:t>
+                          </m:r>
+                          <m:r>
+                            <a:rPr lang="en-US" b="0" i="1" smtClean="0">
+                              <a:latin typeface="Cambria Math"/>
+                            </a:rPr>
+                            <m:t>,</m:t>
                           </m:r>
                           <m:sSub>
                             <m:sSubPr>
@@ -31899,10 +32521,10 @@
                             </m:e>
                             <m:sub>
                               <m:r>
-                                <a:rPr lang="en-US" i="1">
+                                <a:rPr lang="en-US" b="0" i="1" smtClean="0">
                                   <a:latin typeface="Cambria Math"/>
                                 </a:rPr>
-                                <m:t>1</m:t>
+                                <m:t>𝑑</m:t>
                               </m:r>
                             </m:sub>
                           </m:sSub>
@@ -31919,7 +32541,7 @@
                                 <a:rPr lang="en-US" b="0" i="1" smtClean="0">
                                   <a:latin typeface="Cambria Math"/>
                                 </a:rPr>
-                                <m:t>𝑑</m:t>
+                                <m:t>𝑥</m:t>
                               </m:r>
                             </m:e>
                           </m:d>
@@ -32241,7 +32863,19 @@
                       <a:rPr lang="en-US" b="0" i="1" smtClean="0">
                         <a:latin typeface="Cambria Math"/>
                       </a:rPr>
-                      <m:t>≥1 −</m:t>
+                      <m:t>≥</m:t>
+                    </m:r>
+                    <m:r>
+                      <a:rPr lang="en-US" b="0" i="1" smtClean="0">
+                        <a:latin typeface="Cambria Math"/>
+                      </a:rPr>
+                      <m:t>1</m:t>
+                    </m:r>
+                    <m:r>
+                      <a:rPr lang="en-US" b="0" i="1" smtClean="0">
+                        <a:latin typeface="Cambria Math"/>
+                      </a:rPr>
+                      <m:t> −</m:t>
                     </m:r>
                     <m:r>
                       <a:rPr lang="en-US" b="0" i="1" smtClean="0">
@@ -32279,7 +32913,7 @@
               <a:blipFill rotWithShape="1">
                 <a:blip r:embed="rId2"/>
                 <a:stretch>
-                  <a:fillRect l="-1630" t="-1455" b="-1091"/>
+                  <a:fillRect l="-1630" t="-1455" b="-1212"/>
                 </a:stretch>
               </a:blipFill>
             </p:spPr>
@@ -32795,7 +33429,7 @@
                           <a:rPr lang="en-US" b="0" i="1" smtClean="0">
                             <a:latin typeface="Cambria Math"/>
                           </a:rPr>
-                          <m:t>𝑘</m:t>
+                          <m:t>𝑑</m:t>
                         </m:r>
                       </m:sub>
                     </m:sSub>
@@ -34623,8 +35257,8 @@
           </a:p>
         </p:txBody>
       </p:sp>
-      <mc:AlternateContent xmlns:mc="http://schemas.openxmlformats.org/markup-compatibility/2006">
-        <mc:Choice xmlns:a14="http://schemas.microsoft.com/office/drawing/2010/main" Requires="a14">
+      <mc:AlternateContent xmlns:mc="http://schemas.openxmlformats.org/markup-compatibility/2006" xmlns:a14="http://schemas.microsoft.com/office/drawing/2010/main">
+        <mc:Choice Requires="a14">
           <p:sp>
             <p:nvSpPr>
               <p:cNvPr id="3" name="Content Placeholder 2"/>
@@ -35653,7 +36287,7 @@
             </p:txBody>
           </p:sp>
         </mc:Choice>
-        <mc:Fallback>
+        <mc:Fallback xmlns="">
           <p:sp>
             <p:nvSpPr>
               <p:cNvPr id="3" name="Content Placeholder 2"/>
@@ -39910,7 +40544,31 @@
                       <a:rPr lang="en-US" i="1">
                         <a:latin typeface="Cambria Math"/>
                       </a:rPr>
-                      <m:t>∈[0,1]</m:t>
+                      <m:t>∈[</m:t>
+                    </m:r>
+                    <m:r>
+                      <a:rPr lang="en-US" i="1">
+                        <a:latin typeface="Cambria Math"/>
+                      </a:rPr>
+                      <m:t>0</m:t>
+                    </m:r>
+                    <m:r>
+                      <a:rPr lang="en-US" i="1">
+                        <a:latin typeface="Cambria Math"/>
+                      </a:rPr>
+                      <m:t>,</m:t>
+                    </m:r>
+                    <m:r>
+                      <a:rPr lang="en-US" i="1">
+                        <a:latin typeface="Cambria Math"/>
+                      </a:rPr>
+                      <m:t>1</m:t>
+                    </m:r>
+                    <m:r>
+                      <a:rPr lang="en-US" i="1">
+                        <a:latin typeface="Cambria Math"/>
+                      </a:rPr>
+                      <m:t>]</m:t>
                     </m:r>
                   </m:oMath>
                 </a14:m>
@@ -40329,7 +40987,16 @@
                             </a:solidFill>
                             <a:latin typeface="Cambria Math"/>
                           </a:rPr>
-                          <m:t>−1</m:t>
+                          <m:t>−</m:t>
+                        </m:r>
+                        <m:r>
+                          <a:rPr lang="en-US" b="0" i="1" smtClean="0">
+                            <a:solidFill>
+                              <a:schemeClr val="tx1"/>
+                            </a:solidFill>
+                            <a:latin typeface="Cambria Math"/>
+                          </a:rPr>
+                          <m:t>1</m:t>
                         </m:r>
                       </m:sup>
                     </m:sSup>
